--- a/ClassMaterials/PairProgrammingAndSourceControl/Part1-PairProgramming.pptx
+++ b/ClassMaterials/PairProgrammingAndSourceControl/Part1-PairProgramming.pptx
@@ -146,6 +146,35 @@
 </p:cmAuthorLst>
 </file>
 
+<file path=ppt/changesInfos/changesInfo1.xml><?xml version="1.0" encoding="utf-8"?>
+<pc:chgInfo xmlns:a="http://schemas.openxmlformats.org/drawingml/2006/main" xmlns:r="http://schemas.openxmlformats.org/officeDocument/2006/relationships" xmlns:ac="http://schemas.microsoft.com/office/drawing/2013/main/command" xmlns:pc="http://schemas.microsoft.com/office/powerpoint/2013/main/command">
+  <pc:docChgLst>
+    <pc:chgData name="Yoder, Jason" userId="28f4d4d8-da04-4f86-b14d-a21675737bc5" providerId="ADAL" clId="{031F9D78-C7D6-472A-8173-AE29666CCA9E}"/>
+    <pc:docChg chg="modSld">
+      <pc:chgData name="Yoder, Jason" userId="28f4d4d8-da04-4f86-b14d-a21675737bc5" providerId="ADAL" clId="{031F9D78-C7D6-472A-8173-AE29666CCA9E}" dt="2023-09-03T17:52:08.363" v="23" actId="20577"/>
+      <pc:docMkLst>
+        <pc:docMk/>
+      </pc:docMkLst>
+      <pc:sldChg chg="modSp mod">
+        <pc:chgData name="Yoder, Jason" userId="28f4d4d8-da04-4f86-b14d-a21675737bc5" providerId="ADAL" clId="{031F9D78-C7D6-472A-8173-AE29666CCA9E}" dt="2023-09-03T17:52:08.363" v="23" actId="20577"/>
+        <pc:sldMkLst>
+          <pc:docMk/>
+          <pc:sldMk cId="109857222" sldId="256"/>
+        </pc:sldMkLst>
+        <pc:spChg chg="mod">
+          <ac:chgData name="Yoder, Jason" userId="28f4d4d8-da04-4f86-b14d-a21675737bc5" providerId="ADAL" clId="{031F9D78-C7D6-472A-8173-AE29666CCA9E}" dt="2023-09-03T17:52:08.363" v="23" actId="20577"/>
+          <ac:spMkLst>
+            <pc:docMk/>
+            <pc:sldMk cId="109857222" sldId="256"/>
+            <ac:spMk id="4" creationId="{A01FE3C8-283B-A559-2E71-E2F82D12E07B}"/>
+          </ac:spMkLst>
+        </pc:spChg>
+      </pc:sldChg>
+    </pc:docChg>
+  </pc:docChgLst>
+</pc:chgInfo>
+</file>
+
 <file path=ppt/notesMasters/notesMaster1.xml><?xml version="1.0" encoding="utf-8"?>
 <p:notesMaster xmlns:a="http://schemas.openxmlformats.org/drawingml/2006/main" xmlns:r="http://schemas.openxmlformats.org/officeDocument/2006/relationships" xmlns:p="http://schemas.openxmlformats.org/presentationml/2006/main">
   <p:cSld>
@@ -228,7 +257,7 @@
           <a:p>
             <a:fld id="{28F7D565-3278-47FB-82CB-054B8DCFC962}" type="datetimeFigureOut">
               <a:rPr lang="en-US" smtClean="0"/>
-              <a:t>1/29/2023</a:t>
+              <a:t>9/3/2023</a:t>
             </a:fld>
             <a:endParaRPr lang="en-US"/>
           </a:p>
@@ -621,7 +650,7 @@
           </a:ln>
           <a:extLst>
             <a:ext uri="{909E8E84-426E-40dd-AFC4-6F175D3DCCD1}">
-              <a14:hiddenFill xmlns:a14="http://schemas.microsoft.com/office/drawing/2010/main" xmlns="">
+              <a14:hiddenFill xmlns="" xmlns:a14="http://schemas.microsoft.com/office/drawing/2010/main">
                 <a:solidFill>
                   <a:srgbClr val="FFFFFF"/>
                 </a:solidFill>
@@ -645,14 +674,14 @@
           <a:ln/>
           <a:extLst>
             <a:ext uri="{909E8E84-426E-40dd-AFC4-6F175D3DCCD1}">
-              <a14:hiddenFill xmlns:a14="http://schemas.microsoft.com/office/drawing/2010/main" xmlns="">
+              <a14:hiddenFill xmlns="" xmlns:a14="http://schemas.microsoft.com/office/drawing/2010/main">
                 <a:solidFill>
                   <a:srgbClr val="FFFFFF"/>
                 </a:solidFill>
               </a14:hiddenFill>
             </a:ext>
             <a:ext uri="{91240B29-F687-4f45-9708-019B960494DF}">
-              <a14:hiddenLine xmlns:a14="http://schemas.microsoft.com/office/drawing/2010/main" xmlns="" w="9525">
+              <a14:hiddenLine xmlns="" xmlns:a14="http://schemas.microsoft.com/office/drawing/2010/main" w="9525">
                 <a:solidFill>
                   <a:srgbClr val="000000"/>
                 </a:solidFill>
@@ -726,7 +755,7 @@
           </a:ln>
           <a:extLst>
             <a:ext uri="{909E8E84-426E-40dd-AFC4-6F175D3DCCD1}">
-              <a14:hiddenFill xmlns:a14="http://schemas.microsoft.com/office/drawing/2010/main" xmlns="">
+              <a14:hiddenFill xmlns="" xmlns:a14="http://schemas.microsoft.com/office/drawing/2010/main">
                 <a:solidFill>
                   <a:srgbClr val="FFFFFF"/>
                 </a:solidFill>
@@ -750,14 +779,14 @@
           <a:ln/>
           <a:extLst>
             <a:ext uri="{909E8E84-426E-40dd-AFC4-6F175D3DCCD1}">
-              <a14:hiddenFill xmlns:a14="http://schemas.microsoft.com/office/drawing/2010/main" xmlns="">
+              <a14:hiddenFill xmlns="" xmlns:a14="http://schemas.microsoft.com/office/drawing/2010/main">
                 <a:solidFill>
                   <a:srgbClr val="FFFFFF"/>
                 </a:solidFill>
               </a14:hiddenFill>
             </a:ext>
             <a:ext uri="{91240B29-F687-4f45-9708-019B960494DF}">
-              <a14:hiddenLine xmlns:a14="http://schemas.microsoft.com/office/drawing/2010/main" xmlns="" w="9525">
+              <a14:hiddenLine xmlns="" xmlns:a14="http://schemas.microsoft.com/office/drawing/2010/main" w="9525">
                 <a:solidFill>
                   <a:srgbClr val="000000"/>
                 </a:solidFill>
@@ -1117,7 +1146,7 @@
           <a:p>
             <a:fld id="{846CE7D5-CF57-46EF-B807-FDD0502418D4}" type="datetimeFigureOut">
               <a:rPr lang="en-US" smtClean="0"/>
-              <a:t>1/29/2023</a:t>
+              <a:t>9/3/2023</a:t>
             </a:fld>
             <a:endParaRPr lang="en-US"/>
           </a:p>
@@ -1287,7 +1316,7 @@
           <a:p>
             <a:fld id="{846CE7D5-CF57-46EF-B807-FDD0502418D4}" type="datetimeFigureOut">
               <a:rPr lang="en-US" smtClean="0"/>
-              <a:t>1/29/2023</a:t>
+              <a:t>9/3/2023</a:t>
             </a:fld>
             <a:endParaRPr lang="en-US"/>
           </a:p>
@@ -1467,7 +1496,7 @@
           <a:p>
             <a:fld id="{846CE7D5-CF57-46EF-B807-FDD0502418D4}" type="datetimeFigureOut">
               <a:rPr lang="en-US" smtClean="0"/>
-              <a:t>1/29/2023</a:t>
+              <a:t>9/3/2023</a:t>
             </a:fld>
             <a:endParaRPr lang="en-US"/>
           </a:p>
@@ -1637,7 +1666,7 @@
           <a:p>
             <a:fld id="{846CE7D5-CF57-46EF-B807-FDD0502418D4}" type="datetimeFigureOut">
               <a:rPr lang="en-US" smtClean="0"/>
-              <a:t>1/29/2023</a:t>
+              <a:t>9/3/2023</a:t>
             </a:fld>
             <a:endParaRPr lang="en-US"/>
           </a:p>
@@ -1883,7 +1912,7 @@
           <a:p>
             <a:fld id="{846CE7D5-CF57-46EF-B807-FDD0502418D4}" type="datetimeFigureOut">
               <a:rPr lang="en-US" smtClean="0"/>
-              <a:t>1/29/2023</a:t>
+              <a:t>9/3/2023</a:t>
             </a:fld>
             <a:endParaRPr lang="en-US"/>
           </a:p>
@@ -2115,7 +2144,7 @@
           <a:p>
             <a:fld id="{846CE7D5-CF57-46EF-B807-FDD0502418D4}" type="datetimeFigureOut">
               <a:rPr lang="en-US" smtClean="0"/>
-              <a:t>1/29/2023</a:t>
+              <a:t>9/3/2023</a:t>
             </a:fld>
             <a:endParaRPr lang="en-US"/>
           </a:p>
@@ -2482,7 +2511,7 @@
           <a:p>
             <a:fld id="{846CE7D5-CF57-46EF-B807-FDD0502418D4}" type="datetimeFigureOut">
               <a:rPr lang="en-US" smtClean="0"/>
-              <a:t>1/29/2023</a:t>
+              <a:t>9/3/2023</a:t>
             </a:fld>
             <a:endParaRPr lang="en-US"/>
           </a:p>
@@ -2600,7 +2629,7 @@
           <a:p>
             <a:fld id="{846CE7D5-CF57-46EF-B807-FDD0502418D4}" type="datetimeFigureOut">
               <a:rPr lang="en-US" smtClean="0"/>
-              <a:t>1/29/2023</a:t>
+              <a:t>9/3/2023</a:t>
             </a:fld>
             <a:endParaRPr lang="en-US"/>
           </a:p>
@@ -2695,7 +2724,7 @@
           <a:p>
             <a:fld id="{846CE7D5-CF57-46EF-B807-FDD0502418D4}" type="datetimeFigureOut">
               <a:rPr lang="en-US" smtClean="0"/>
-              <a:t>1/29/2023</a:t>
+              <a:t>9/3/2023</a:t>
             </a:fld>
             <a:endParaRPr lang="en-US"/>
           </a:p>
@@ -2972,7 +3001,7 @@
           <a:p>
             <a:fld id="{846CE7D5-CF57-46EF-B807-FDD0502418D4}" type="datetimeFigureOut">
               <a:rPr lang="en-US" smtClean="0"/>
-              <a:t>1/29/2023</a:t>
+              <a:t>9/3/2023</a:t>
             </a:fld>
             <a:endParaRPr lang="en-US"/>
           </a:p>
@@ -3229,7 +3258,7 @@
           <a:p>
             <a:fld id="{846CE7D5-CF57-46EF-B807-FDD0502418D4}" type="datetimeFigureOut">
               <a:rPr lang="en-US" smtClean="0"/>
-              <a:t>1/29/2023</a:t>
+              <a:t>9/3/2023</a:t>
             </a:fld>
             <a:endParaRPr lang="en-US"/>
           </a:p>
@@ -3442,7 +3471,7 @@
           <a:p>
             <a:fld id="{846CE7D5-CF57-46EF-B807-FDD0502418D4}" type="datetimeFigureOut">
               <a:rPr lang="en-US" smtClean="0"/>
-              <a:t>1/29/2023</a:t>
+              <a:t>9/3/2023</a:t>
             </a:fld>
             <a:endParaRPr lang="en-US"/>
           </a:p>
@@ -3986,13 +4015,18 @@
           </a:p>
           <a:p>
             <a:r>
-              <a:rPr lang="en-US" sz="4400" dirty="0">
+              <a:rPr lang="en-US" sz="4400" dirty="0" err="1">
                 <a:highlight>
                   <a:srgbClr val="FFFF00"/>
                 </a:highlight>
               </a:rPr>
-              <a:t>__________</a:t>
-            </a:r>
+              <a:t>jobsandroles</a:t>
+            </a:r>
+            <a:endParaRPr lang="en-US" sz="4400" dirty="0">
+              <a:highlight>
+                <a:srgbClr val="FFFF00"/>
+              </a:highlight>
+            </a:endParaRPr>
           </a:p>
         </p:txBody>
       </p:sp>
@@ -4327,7 +4361,7 @@
           </a:effectLst>
           <a:extLst>
             <a:ext uri="{909E8E84-426E-40dd-AFC4-6F175D3DCCD1}">
-              <a14:hiddenFill xmlns:a14="http://schemas.microsoft.com/office/drawing/2010/main" xmlns="">
+              <a14:hiddenFill xmlns="" xmlns:a14="http://schemas.microsoft.com/office/drawing/2010/main">
                 <a:solidFill>
                   <a:srgbClr val="FFFFFF"/>
                 </a:solidFill>

--- a/ClassMaterials/PairProgrammingAndSourceControl/Part1-PairProgramming.pptx
+++ b/ClassMaterials/PairProgrammingAndSourceControl/Part1-PairProgramming.pptx
@@ -146,35 +146,6 @@
 </p:cmAuthorLst>
 </file>
 
-<file path=ppt/changesInfos/changesInfo1.xml><?xml version="1.0" encoding="utf-8"?>
-<pc:chgInfo xmlns:a="http://schemas.openxmlformats.org/drawingml/2006/main" xmlns:r="http://schemas.openxmlformats.org/officeDocument/2006/relationships" xmlns:ac="http://schemas.microsoft.com/office/drawing/2013/main/command" xmlns:pc="http://schemas.microsoft.com/office/powerpoint/2013/main/command">
-  <pc:docChgLst>
-    <pc:chgData name="Yoder, Jason" userId="28f4d4d8-da04-4f86-b14d-a21675737bc5" providerId="ADAL" clId="{031F9D78-C7D6-472A-8173-AE29666CCA9E}"/>
-    <pc:docChg chg="modSld">
-      <pc:chgData name="Yoder, Jason" userId="28f4d4d8-da04-4f86-b14d-a21675737bc5" providerId="ADAL" clId="{031F9D78-C7D6-472A-8173-AE29666CCA9E}" dt="2023-09-03T17:52:08.363" v="23" actId="20577"/>
-      <pc:docMkLst>
-        <pc:docMk/>
-      </pc:docMkLst>
-      <pc:sldChg chg="modSp mod">
-        <pc:chgData name="Yoder, Jason" userId="28f4d4d8-da04-4f86-b14d-a21675737bc5" providerId="ADAL" clId="{031F9D78-C7D6-472A-8173-AE29666CCA9E}" dt="2023-09-03T17:52:08.363" v="23" actId="20577"/>
-        <pc:sldMkLst>
-          <pc:docMk/>
-          <pc:sldMk cId="109857222" sldId="256"/>
-        </pc:sldMkLst>
-        <pc:spChg chg="mod">
-          <ac:chgData name="Yoder, Jason" userId="28f4d4d8-da04-4f86-b14d-a21675737bc5" providerId="ADAL" clId="{031F9D78-C7D6-472A-8173-AE29666CCA9E}" dt="2023-09-03T17:52:08.363" v="23" actId="20577"/>
-          <ac:spMkLst>
-            <pc:docMk/>
-            <pc:sldMk cId="109857222" sldId="256"/>
-            <ac:spMk id="4" creationId="{A01FE3C8-283B-A559-2E71-E2F82D12E07B}"/>
-          </ac:spMkLst>
-        </pc:spChg>
-      </pc:sldChg>
-    </pc:docChg>
-  </pc:docChgLst>
-</pc:chgInfo>
-</file>
-
 <file path=ppt/notesMasters/notesMaster1.xml><?xml version="1.0" encoding="utf-8"?>
 <p:notesMaster xmlns:a="http://schemas.openxmlformats.org/drawingml/2006/main" xmlns:r="http://schemas.openxmlformats.org/officeDocument/2006/relationships" xmlns:p="http://schemas.openxmlformats.org/presentationml/2006/main">
   <p:cSld>
@@ -257,7 +228,7 @@
           <a:p>
             <a:fld id="{28F7D565-3278-47FB-82CB-054B8DCFC962}" type="datetimeFigureOut">
               <a:rPr lang="en-US" smtClean="0"/>
-              <a:t>9/3/2023</a:t>
+              <a:t>1/29/2023</a:t>
             </a:fld>
             <a:endParaRPr lang="en-US"/>
           </a:p>
@@ -650,7 +621,7 @@
           </a:ln>
           <a:extLst>
             <a:ext uri="{909E8E84-426E-40dd-AFC4-6F175D3DCCD1}">
-              <a14:hiddenFill xmlns="" xmlns:a14="http://schemas.microsoft.com/office/drawing/2010/main">
+              <a14:hiddenFill xmlns:a14="http://schemas.microsoft.com/office/drawing/2010/main" xmlns="">
                 <a:solidFill>
                   <a:srgbClr val="FFFFFF"/>
                 </a:solidFill>
@@ -674,14 +645,14 @@
           <a:ln/>
           <a:extLst>
             <a:ext uri="{909E8E84-426E-40dd-AFC4-6F175D3DCCD1}">
-              <a14:hiddenFill xmlns="" xmlns:a14="http://schemas.microsoft.com/office/drawing/2010/main">
+              <a14:hiddenFill xmlns:a14="http://schemas.microsoft.com/office/drawing/2010/main" xmlns="">
                 <a:solidFill>
                   <a:srgbClr val="FFFFFF"/>
                 </a:solidFill>
               </a14:hiddenFill>
             </a:ext>
             <a:ext uri="{91240B29-F687-4f45-9708-019B960494DF}">
-              <a14:hiddenLine xmlns="" xmlns:a14="http://schemas.microsoft.com/office/drawing/2010/main" w="9525">
+              <a14:hiddenLine xmlns:a14="http://schemas.microsoft.com/office/drawing/2010/main" xmlns="" w="9525">
                 <a:solidFill>
                   <a:srgbClr val="000000"/>
                 </a:solidFill>
@@ -755,7 +726,7 @@
           </a:ln>
           <a:extLst>
             <a:ext uri="{909E8E84-426E-40dd-AFC4-6F175D3DCCD1}">
-              <a14:hiddenFill xmlns="" xmlns:a14="http://schemas.microsoft.com/office/drawing/2010/main">
+              <a14:hiddenFill xmlns:a14="http://schemas.microsoft.com/office/drawing/2010/main" xmlns="">
                 <a:solidFill>
                   <a:srgbClr val="FFFFFF"/>
                 </a:solidFill>
@@ -779,14 +750,14 @@
           <a:ln/>
           <a:extLst>
             <a:ext uri="{909E8E84-426E-40dd-AFC4-6F175D3DCCD1}">
-              <a14:hiddenFill xmlns="" xmlns:a14="http://schemas.microsoft.com/office/drawing/2010/main">
+              <a14:hiddenFill xmlns:a14="http://schemas.microsoft.com/office/drawing/2010/main" xmlns="">
                 <a:solidFill>
                   <a:srgbClr val="FFFFFF"/>
                 </a:solidFill>
               </a14:hiddenFill>
             </a:ext>
             <a:ext uri="{91240B29-F687-4f45-9708-019B960494DF}">
-              <a14:hiddenLine xmlns="" xmlns:a14="http://schemas.microsoft.com/office/drawing/2010/main" w="9525">
+              <a14:hiddenLine xmlns:a14="http://schemas.microsoft.com/office/drawing/2010/main" xmlns="" w="9525">
                 <a:solidFill>
                   <a:srgbClr val="000000"/>
                 </a:solidFill>
@@ -1146,7 +1117,7 @@
           <a:p>
             <a:fld id="{846CE7D5-CF57-46EF-B807-FDD0502418D4}" type="datetimeFigureOut">
               <a:rPr lang="en-US" smtClean="0"/>
-              <a:t>9/3/2023</a:t>
+              <a:t>1/29/2023</a:t>
             </a:fld>
             <a:endParaRPr lang="en-US"/>
           </a:p>
@@ -1316,7 +1287,7 @@
           <a:p>
             <a:fld id="{846CE7D5-CF57-46EF-B807-FDD0502418D4}" type="datetimeFigureOut">
               <a:rPr lang="en-US" smtClean="0"/>
-              <a:t>9/3/2023</a:t>
+              <a:t>1/29/2023</a:t>
             </a:fld>
             <a:endParaRPr lang="en-US"/>
           </a:p>
@@ -1496,7 +1467,7 @@
           <a:p>
             <a:fld id="{846CE7D5-CF57-46EF-B807-FDD0502418D4}" type="datetimeFigureOut">
               <a:rPr lang="en-US" smtClean="0"/>
-              <a:t>9/3/2023</a:t>
+              <a:t>1/29/2023</a:t>
             </a:fld>
             <a:endParaRPr lang="en-US"/>
           </a:p>
@@ -1666,7 +1637,7 @@
           <a:p>
             <a:fld id="{846CE7D5-CF57-46EF-B807-FDD0502418D4}" type="datetimeFigureOut">
               <a:rPr lang="en-US" smtClean="0"/>
-              <a:t>9/3/2023</a:t>
+              <a:t>1/29/2023</a:t>
             </a:fld>
             <a:endParaRPr lang="en-US"/>
           </a:p>
@@ -1912,7 +1883,7 @@
           <a:p>
             <a:fld id="{846CE7D5-CF57-46EF-B807-FDD0502418D4}" type="datetimeFigureOut">
               <a:rPr lang="en-US" smtClean="0"/>
-              <a:t>9/3/2023</a:t>
+              <a:t>1/29/2023</a:t>
             </a:fld>
             <a:endParaRPr lang="en-US"/>
           </a:p>
@@ -2144,7 +2115,7 @@
           <a:p>
             <a:fld id="{846CE7D5-CF57-46EF-B807-FDD0502418D4}" type="datetimeFigureOut">
               <a:rPr lang="en-US" smtClean="0"/>
-              <a:t>9/3/2023</a:t>
+              <a:t>1/29/2023</a:t>
             </a:fld>
             <a:endParaRPr lang="en-US"/>
           </a:p>
@@ -2511,7 +2482,7 @@
           <a:p>
             <a:fld id="{846CE7D5-CF57-46EF-B807-FDD0502418D4}" type="datetimeFigureOut">
               <a:rPr lang="en-US" smtClean="0"/>
-              <a:t>9/3/2023</a:t>
+              <a:t>1/29/2023</a:t>
             </a:fld>
             <a:endParaRPr lang="en-US"/>
           </a:p>
@@ -2629,7 +2600,7 @@
           <a:p>
             <a:fld id="{846CE7D5-CF57-46EF-B807-FDD0502418D4}" type="datetimeFigureOut">
               <a:rPr lang="en-US" smtClean="0"/>
-              <a:t>9/3/2023</a:t>
+              <a:t>1/29/2023</a:t>
             </a:fld>
             <a:endParaRPr lang="en-US"/>
           </a:p>
@@ -2724,7 +2695,7 @@
           <a:p>
             <a:fld id="{846CE7D5-CF57-46EF-B807-FDD0502418D4}" type="datetimeFigureOut">
               <a:rPr lang="en-US" smtClean="0"/>
-              <a:t>9/3/2023</a:t>
+              <a:t>1/29/2023</a:t>
             </a:fld>
             <a:endParaRPr lang="en-US"/>
           </a:p>
@@ -3001,7 +2972,7 @@
           <a:p>
             <a:fld id="{846CE7D5-CF57-46EF-B807-FDD0502418D4}" type="datetimeFigureOut">
               <a:rPr lang="en-US" smtClean="0"/>
-              <a:t>9/3/2023</a:t>
+              <a:t>1/29/2023</a:t>
             </a:fld>
             <a:endParaRPr lang="en-US"/>
           </a:p>
@@ -3258,7 +3229,7 @@
           <a:p>
             <a:fld id="{846CE7D5-CF57-46EF-B807-FDD0502418D4}" type="datetimeFigureOut">
               <a:rPr lang="en-US" smtClean="0"/>
-              <a:t>9/3/2023</a:t>
+              <a:t>1/29/2023</a:t>
             </a:fld>
             <a:endParaRPr lang="en-US"/>
           </a:p>
@@ -3471,7 +3442,7 @@
           <a:p>
             <a:fld id="{846CE7D5-CF57-46EF-B807-FDD0502418D4}" type="datetimeFigureOut">
               <a:rPr lang="en-US" smtClean="0"/>
-              <a:t>9/3/2023</a:t>
+              <a:t>1/29/2023</a:t>
             </a:fld>
             <a:endParaRPr lang="en-US"/>
           </a:p>
@@ -4015,18 +3986,13 @@
           </a:p>
           <a:p>
             <a:r>
-              <a:rPr lang="en-US" sz="4400" dirty="0" err="1">
+              <a:rPr lang="en-US" sz="4400" dirty="0">
                 <a:highlight>
                   <a:srgbClr val="FFFF00"/>
                 </a:highlight>
               </a:rPr>
-              <a:t>jobsandroles</a:t>
-            </a:r>
-            <a:endParaRPr lang="en-US" sz="4400" dirty="0">
-              <a:highlight>
-                <a:srgbClr val="FFFF00"/>
-              </a:highlight>
-            </a:endParaRPr>
+              <a:t>__________</a:t>
+            </a:r>
           </a:p>
         </p:txBody>
       </p:sp>
@@ -4361,7 +4327,7 @@
           </a:effectLst>
           <a:extLst>
             <a:ext uri="{909E8E84-426E-40dd-AFC4-6F175D3DCCD1}">
-              <a14:hiddenFill xmlns="" xmlns:a14="http://schemas.microsoft.com/office/drawing/2010/main">
+              <a14:hiddenFill xmlns:a14="http://schemas.microsoft.com/office/drawing/2010/main" xmlns="">
                 <a:solidFill>
                   <a:srgbClr val="FFFFFF"/>
                 </a:solidFill>

--- a/ClassMaterials/PairProgrammingAndSourceControl/Part1-PairProgramming.pptx
+++ b/ClassMaterials/PairProgrammingAndSourceControl/Part1-PairProgramming.pptx
@@ -228,7 +228,7 @@
           <a:p>
             <a:fld id="{28F7D565-3278-47FB-82CB-054B8DCFC962}" type="datetimeFigureOut">
               <a:rPr lang="en-US" smtClean="0"/>
-              <a:t>1/29/2023</a:t>
+              <a:t>2/26/2024</a:t>
             </a:fld>
             <a:endParaRPr lang="en-US"/>
           </a:p>
@@ -1117,7 +1117,7 @@
           <a:p>
             <a:fld id="{846CE7D5-CF57-46EF-B807-FDD0502418D4}" type="datetimeFigureOut">
               <a:rPr lang="en-US" smtClean="0"/>
-              <a:t>1/29/2023</a:t>
+              <a:t>2/26/2024</a:t>
             </a:fld>
             <a:endParaRPr lang="en-US"/>
           </a:p>
@@ -1287,7 +1287,7 @@
           <a:p>
             <a:fld id="{846CE7D5-CF57-46EF-B807-FDD0502418D4}" type="datetimeFigureOut">
               <a:rPr lang="en-US" smtClean="0"/>
-              <a:t>1/29/2023</a:t>
+              <a:t>2/26/2024</a:t>
             </a:fld>
             <a:endParaRPr lang="en-US"/>
           </a:p>
@@ -1467,7 +1467,7 @@
           <a:p>
             <a:fld id="{846CE7D5-CF57-46EF-B807-FDD0502418D4}" type="datetimeFigureOut">
               <a:rPr lang="en-US" smtClean="0"/>
-              <a:t>1/29/2023</a:t>
+              <a:t>2/26/2024</a:t>
             </a:fld>
             <a:endParaRPr lang="en-US"/>
           </a:p>
@@ -1637,7 +1637,7 @@
           <a:p>
             <a:fld id="{846CE7D5-CF57-46EF-B807-FDD0502418D4}" type="datetimeFigureOut">
               <a:rPr lang="en-US" smtClean="0"/>
-              <a:t>1/29/2023</a:t>
+              <a:t>2/26/2024</a:t>
             </a:fld>
             <a:endParaRPr lang="en-US"/>
           </a:p>
@@ -1883,7 +1883,7 @@
           <a:p>
             <a:fld id="{846CE7D5-CF57-46EF-B807-FDD0502418D4}" type="datetimeFigureOut">
               <a:rPr lang="en-US" smtClean="0"/>
-              <a:t>1/29/2023</a:t>
+              <a:t>2/26/2024</a:t>
             </a:fld>
             <a:endParaRPr lang="en-US"/>
           </a:p>
@@ -2115,7 +2115,7 @@
           <a:p>
             <a:fld id="{846CE7D5-CF57-46EF-B807-FDD0502418D4}" type="datetimeFigureOut">
               <a:rPr lang="en-US" smtClean="0"/>
-              <a:t>1/29/2023</a:t>
+              <a:t>2/26/2024</a:t>
             </a:fld>
             <a:endParaRPr lang="en-US"/>
           </a:p>
@@ -2482,7 +2482,7 @@
           <a:p>
             <a:fld id="{846CE7D5-CF57-46EF-B807-FDD0502418D4}" type="datetimeFigureOut">
               <a:rPr lang="en-US" smtClean="0"/>
-              <a:t>1/29/2023</a:t>
+              <a:t>2/26/2024</a:t>
             </a:fld>
             <a:endParaRPr lang="en-US"/>
           </a:p>
@@ -2600,7 +2600,7 @@
           <a:p>
             <a:fld id="{846CE7D5-CF57-46EF-B807-FDD0502418D4}" type="datetimeFigureOut">
               <a:rPr lang="en-US" smtClean="0"/>
-              <a:t>1/29/2023</a:t>
+              <a:t>2/26/2024</a:t>
             </a:fld>
             <a:endParaRPr lang="en-US"/>
           </a:p>
@@ -2695,7 +2695,7 @@
           <a:p>
             <a:fld id="{846CE7D5-CF57-46EF-B807-FDD0502418D4}" type="datetimeFigureOut">
               <a:rPr lang="en-US" smtClean="0"/>
-              <a:t>1/29/2023</a:t>
+              <a:t>2/26/2024</a:t>
             </a:fld>
             <a:endParaRPr lang="en-US"/>
           </a:p>
@@ -2972,7 +2972,7 @@
           <a:p>
             <a:fld id="{846CE7D5-CF57-46EF-B807-FDD0502418D4}" type="datetimeFigureOut">
               <a:rPr lang="en-US" smtClean="0"/>
-              <a:t>1/29/2023</a:t>
+              <a:t>2/26/2024</a:t>
             </a:fld>
             <a:endParaRPr lang="en-US"/>
           </a:p>
@@ -3229,7 +3229,7 @@
           <a:p>
             <a:fld id="{846CE7D5-CF57-46EF-B807-FDD0502418D4}" type="datetimeFigureOut">
               <a:rPr lang="en-US" smtClean="0"/>
-              <a:t>1/29/2023</a:t>
+              <a:t>2/26/2024</a:t>
             </a:fld>
             <a:endParaRPr lang="en-US"/>
           </a:p>
@@ -3442,7 +3442,7 @@
           <a:p>
             <a:fld id="{846CE7D5-CF57-46EF-B807-FDD0502418D4}" type="datetimeFigureOut">
               <a:rPr lang="en-US" smtClean="0"/>
-              <a:t>1/29/2023</a:t>
+              <a:t>2/26/2024</a:t>
             </a:fld>
             <a:endParaRPr lang="en-US"/>
           </a:p>
@@ -3909,7 +3909,7 @@
         </p:nvSpPr>
         <p:spPr>
           <a:xfrm>
-            <a:off x="3766088" y="5841635"/>
+            <a:off x="3185175" y="5045354"/>
             <a:ext cx="5233187" cy="369332"/>
           </a:xfrm>
           <a:prstGeom prst="rect">
@@ -3991,7 +3991,7 @@
                   <a:srgbClr val="FFFF00"/>
                 </a:highlight>
               </a:rPr>
-              <a:t>__________</a:t>
+              <a:t>___________</a:t>
             </a:r>
           </a:p>
         </p:txBody>
@@ -4026,6 +4026,43 @@
           </a:prstGeom>
         </p:spPr>
       </p:pic>
+      <p:sp>
+        <p:nvSpPr>
+          <p:cNvPr id="6" name="TextBox 5">
+            <a:extLst>
+              <a:ext uri="{FF2B5EF4-FFF2-40B4-BE49-F238E27FC236}">
+                <a16:creationId xmlns:a16="http://schemas.microsoft.com/office/drawing/2014/main" id="{B13D6B4D-407E-5D8E-1D57-4C240874520D}"/>
+              </a:ext>
+            </a:extLst>
+          </p:cNvPr>
+          <p:cNvSpPr txBox="1"/>
+          <p:nvPr/>
+        </p:nvSpPr>
+        <p:spPr>
+          <a:xfrm>
+            <a:off x="2366682" y="5608324"/>
+            <a:ext cx="6605195" cy="646331"/>
+          </a:xfrm>
+          <a:prstGeom prst="rect">
+            <a:avLst/>
+          </a:prstGeom>
+          <a:solidFill>
+            <a:srgbClr val="92D050"/>
+          </a:solidFill>
+        </p:spPr>
+        <p:txBody>
+          <a:bodyPr wrap="square" rtlCol="0">
+            <a:spAutoFit/>
+          </a:bodyPr>
+          <a:lstStyle/>
+          <a:p>
+            <a:r>
+              <a:rPr lang="en-US" sz="3600" dirty="0"/>
+              <a:t>Quiz Today? Maybe…</a:t>
+            </a:r>
+          </a:p>
+        </p:txBody>
+      </p:sp>
     </p:spTree>
     <p:extLst>
       <p:ext uri="{BB962C8B-B14F-4D97-AF65-F5344CB8AC3E}">

--- a/ClassMaterials/PairProgrammingAndSourceControl/Part1-PairProgramming.pptx
+++ b/ClassMaterials/PairProgrammingAndSourceControl/Part1-PairProgramming.pptx
@@ -228,7 +228,7 @@
           <a:p>
             <a:fld id="{28F7D565-3278-47FB-82CB-054B8DCFC962}" type="datetimeFigureOut">
               <a:rPr lang="en-US" smtClean="0"/>
-              <a:t>2/26/2024</a:t>
+              <a:t>4/30/2024</a:t>
             </a:fld>
             <a:endParaRPr lang="en-US"/>
           </a:p>
@@ -1117,7 +1117,7 @@
           <a:p>
             <a:fld id="{846CE7D5-CF57-46EF-B807-FDD0502418D4}" type="datetimeFigureOut">
               <a:rPr lang="en-US" smtClean="0"/>
-              <a:t>2/26/2024</a:t>
+              <a:t>4/30/2024</a:t>
             </a:fld>
             <a:endParaRPr lang="en-US"/>
           </a:p>
@@ -1287,7 +1287,7 @@
           <a:p>
             <a:fld id="{846CE7D5-CF57-46EF-B807-FDD0502418D4}" type="datetimeFigureOut">
               <a:rPr lang="en-US" smtClean="0"/>
-              <a:t>2/26/2024</a:t>
+              <a:t>4/30/2024</a:t>
             </a:fld>
             <a:endParaRPr lang="en-US"/>
           </a:p>
@@ -1467,7 +1467,7 @@
           <a:p>
             <a:fld id="{846CE7D5-CF57-46EF-B807-FDD0502418D4}" type="datetimeFigureOut">
               <a:rPr lang="en-US" smtClean="0"/>
-              <a:t>2/26/2024</a:t>
+              <a:t>4/30/2024</a:t>
             </a:fld>
             <a:endParaRPr lang="en-US"/>
           </a:p>
@@ -1637,7 +1637,7 @@
           <a:p>
             <a:fld id="{846CE7D5-CF57-46EF-B807-FDD0502418D4}" type="datetimeFigureOut">
               <a:rPr lang="en-US" smtClean="0"/>
-              <a:t>2/26/2024</a:t>
+              <a:t>4/30/2024</a:t>
             </a:fld>
             <a:endParaRPr lang="en-US"/>
           </a:p>
@@ -1883,7 +1883,7 @@
           <a:p>
             <a:fld id="{846CE7D5-CF57-46EF-B807-FDD0502418D4}" type="datetimeFigureOut">
               <a:rPr lang="en-US" smtClean="0"/>
-              <a:t>2/26/2024</a:t>
+              <a:t>4/30/2024</a:t>
             </a:fld>
             <a:endParaRPr lang="en-US"/>
           </a:p>
@@ -2115,7 +2115,7 @@
           <a:p>
             <a:fld id="{846CE7D5-CF57-46EF-B807-FDD0502418D4}" type="datetimeFigureOut">
               <a:rPr lang="en-US" smtClean="0"/>
-              <a:t>2/26/2024</a:t>
+              <a:t>4/30/2024</a:t>
             </a:fld>
             <a:endParaRPr lang="en-US"/>
           </a:p>
@@ -2482,7 +2482,7 @@
           <a:p>
             <a:fld id="{846CE7D5-CF57-46EF-B807-FDD0502418D4}" type="datetimeFigureOut">
               <a:rPr lang="en-US" smtClean="0"/>
-              <a:t>2/26/2024</a:t>
+              <a:t>4/30/2024</a:t>
             </a:fld>
             <a:endParaRPr lang="en-US"/>
           </a:p>
@@ -2600,7 +2600,7 @@
           <a:p>
             <a:fld id="{846CE7D5-CF57-46EF-B807-FDD0502418D4}" type="datetimeFigureOut">
               <a:rPr lang="en-US" smtClean="0"/>
-              <a:t>2/26/2024</a:t>
+              <a:t>4/30/2024</a:t>
             </a:fld>
             <a:endParaRPr lang="en-US"/>
           </a:p>
@@ -2695,7 +2695,7 @@
           <a:p>
             <a:fld id="{846CE7D5-CF57-46EF-B807-FDD0502418D4}" type="datetimeFigureOut">
               <a:rPr lang="en-US" smtClean="0"/>
-              <a:t>2/26/2024</a:t>
+              <a:t>4/30/2024</a:t>
             </a:fld>
             <a:endParaRPr lang="en-US"/>
           </a:p>
@@ -2972,7 +2972,7 @@
           <a:p>
             <a:fld id="{846CE7D5-CF57-46EF-B807-FDD0502418D4}" type="datetimeFigureOut">
               <a:rPr lang="en-US" smtClean="0"/>
-              <a:t>2/26/2024</a:t>
+              <a:t>4/30/2024</a:t>
             </a:fld>
             <a:endParaRPr lang="en-US"/>
           </a:p>
@@ -3229,7 +3229,7 @@
           <a:p>
             <a:fld id="{846CE7D5-CF57-46EF-B807-FDD0502418D4}" type="datetimeFigureOut">
               <a:rPr lang="en-US" smtClean="0"/>
-              <a:t>2/26/2024</a:t>
+              <a:t>4/30/2024</a:t>
             </a:fld>
             <a:endParaRPr lang="en-US"/>
           </a:p>
@@ -3442,7 +3442,7 @@
           <a:p>
             <a:fld id="{846CE7D5-CF57-46EF-B807-FDD0502418D4}" type="datetimeFigureOut">
               <a:rPr lang="en-US" smtClean="0"/>
-              <a:t>2/26/2024</a:t>
+              <a:t>4/30/2024</a:t>
             </a:fld>
             <a:endParaRPr lang="en-US"/>
           </a:p>
@@ -3909,7 +3909,7 @@
         </p:nvSpPr>
         <p:spPr>
           <a:xfrm>
-            <a:off x="3185175" y="5045354"/>
+            <a:off x="313453" y="5045354"/>
             <a:ext cx="5233187" cy="369332"/>
           </a:xfrm>
           <a:prstGeom prst="rect">
@@ -3986,13 +3986,18 @@
           </a:p>
           <a:p>
             <a:r>
-              <a:rPr lang="en-US" sz="4400" dirty="0">
+              <a:rPr lang="en-US" sz="4400">
                 <a:highlight>
                   <a:srgbClr val="FFFF00"/>
                 </a:highlight>
               </a:rPr>
-              <a:t>___________</a:t>
-            </a:r>
+              <a:t>_________</a:t>
+            </a:r>
+            <a:endParaRPr lang="en-US" sz="4400" dirty="0">
+              <a:highlight>
+                <a:srgbClr val="FFFF00"/>
+              </a:highlight>
+            </a:endParaRPr>
           </a:p>
         </p:txBody>
       </p:sp>
@@ -4040,8 +4045,8 @@
         </p:nvSpPr>
         <p:spPr>
           <a:xfrm>
-            <a:off x="2366682" y="5608324"/>
-            <a:ext cx="6605195" cy="646331"/>
+            <a:off x="313453" y="5890711"/>
+            <a:ext cx="3194857" cy="646331"/>
           </a:xfrm>
           <a:prstGeom prst="rect">
             <a:avLst/>
@@ -4058,11 +4063,41 @@
           <a:p>
             <a:r>
               <a:rPr lang="en-US" sz="3600" dirty="0"/>
-              <a:t>Quiz Today? Maybe…</a:t>
-            </a:r>
-          </a:p>
-        </p:txBody>
-      </p:sp>
+              <a:t>No Quiz Today</a:t>
+            </a:r>
+          </a:p>
+        </p:txBody>
+      </p:sp>
+      <p:pic>
+        <p:nvPicPr>
+          <p:cNvPr id="8" name="Picture 7">
+            <a:extLst>
+              <a:ext uri="{FF2B5EF4-FFF2-40B4-BE49-F238E27FC236}">
+                <a16:creationId xmlns:a16="http://schemas.microsoft.com/office/drawing/2014/main" id="{271A2BF9-6017-D7A6-3C36-CFD7C4553191}"/>
+              </a:ext>
+            </a:extLst>
+          </p:cNvPr>
+          <p:cNvPicPr>
+            <a:picLocks noChangeAspect="1"/>
+          </p:cNvPicPr>
+          <p:nvPr/>
+        </p:nvPicPr>
+        <p:blipFill>
+          <a:blip r:embed="rId4"/>
+          <a:stretch>
+            <a:fillRect/>
+          </a:stretch>
+        </p:blipFill>
+        <p:spPr>
+          <a:xfrm>
+            <a:off x="6096000" y="4286944"/>
+            <a:ext cx="5993457" cy="2571056"/>
+          </a:xfrm>
+          <a:prstGeom prst="rect">
+            <a:avLst/>
+          </a:prstGeom>
+        </p:spPr>
+      </p:pic>
     </p:spTree>
     <p:extLst>
       <p:ext uri="{BB962C8B-B14F-4D97-AF65-F5344CB8AC3E}">
@@ -5436,7 +5471,7 @@
         </p:nvSpPr>
         <p:spPr>
           <a:xfrm>
-            <a:off x="295759" y="1306431"/>
+            <a:off x="310722" y="1306431"/>
             <a:ext cx="11599189" cy="5303596"/>
           </a:xfrm>
         </p:spPr>
@@ -5497,6 +5532,79 @@
             <a:r>
               <a:rPr lang="en-US" dirty="0"/>
               <a:t>Have Fun – Working with someone else can be a lot more fun!</a:t>
+            </a:r>
+          </a:p>
+        </p:txBody>
+      </p:sp>
+      <p:pic>
+        <p:nvPicPr>
+          <p:cNvPr id="5" name="Picture 4" descr="A black numbers on a white background&#10;&#10;Description automatically generated">
+            <a:extLst>
+              <a:ext uri="{FF2B5EF4-FFF2-40B4-BE49-F238E27FC236}">
+                <a16:creationId xmlns:a16="http://schemas.microsoft.com/office/drawing/2014/main" id="{C3F15D6B-B0E4-C223-CA05-8BF8E052DCBD}"/>
+              </a:ext>
+            </a:extLst>
+          </p:cNvPr>
+          <p:cNvPicPr>
+            <a:picLocks noChangeAspect="1"/>
+          </p:cNvPicPr>
+          <p:nvPr/>
+        </p:nvPicPr>
+        <p:blipFill>
+          <a:blip r:embed="rId3">
+            <a:extLst>
+              <a:ext uri="{28A0092B-C50C-407E-A947-70E740481C1C}">
+                <a14:useLocalDpi xmlns:a14="http://schemas.microsoft.com/office/drawing/2010/main" val="0"/>
+              </a:ext>
+            </a:extLst>
+          </a:blip>
+          <a:stretch>
+            <a:fillRect/>
+          </a:stretch>
+        </p:blipFill>
+        <p:spPr>
+          <a:xfrm>
+            <a:off x="9671124" y="5809418"/>
+            <a:ext cx="2464185" cy="985674"/>
+          </a:xfrm>
+          <a:prstGeom prst="rect">
+            <a:avLst/>
+          </a:prstGeom>
+        </p:spPr>
+      </p:pic>
+      <p:sp>
+        <p:nvSpPr>
+          <p:cNvPr id="6" name="TextBox 5">
+            <a:extLst>
+              <a:ext uri="{FF2B5EF4-FFF2-40B4-BE49-F238E27FC236}">
+                <a16:creationId xmlns:a16="http://schemas.microsoft.com/office/drawing/2014/main" id="{6194BF7E-CFCC-BBEC-6304-5D5C11E21795}"/>
+              </a:ext>
+            </a:extLst>
+          </p:cNvPr>
+          <p:cNvSpPr txBox="1"/>
+          <p:nvPr/>
+        </p:nvSpPr>
+        <p:spPr>
+          <a:xfrm>
+            <a:off x="690966" y="6086807"/>
+            <a:ext cx="8696875" cy="523220"/>
+          </a:xfrm>
+          <a:prstGeom prst="rect">
+            <a:avLst/>
+          </a:prstGeom>
+          <a:solidFill>
+            <a:srgbClr val="92D050"/>
+          </a:solidFill>
+        </p:spPr>
+        <p:txBody>
+          <a:bodyPr wrap="square" rtlCol="0">
+            <a:spAutoFit/>
+          </a:bodyPr>
+          <a:lstStyle/>
+          <a:p>
+            <a:r>
+              <a:rPr lang="en-US" sz="2800" dirty="0"/>
+              <a:t>Discuss as a team: How well have you done these so far?</a:t>
             </a:r>
           </a:p>
         </p:txBody>
@@ -5658,6 +5766,79 @@
               <a:t> to do</a:t>
             </a:r>
             <a:endParaRPr lang="en-US" sz="8000" b="1" dirty="0"/>
+          </a:p>
+        </p:txBody>
+      </p:sp>
+      <p:pic>
+        <p:nvPicPr>
+          <p:cNvPr id="4" name="Picture 3" descr="A black numbers on a white background&#10;&#10;Description automatically generated">
+            <a:extLst>
+              <a:ext uri="{FF2B5EF4-FFF2-40B4-BE49-F238E27FC236}">
+                <a16:creationId xmlns:a16="http://schemas.microsoft.com/office/drawing/2014/main" id="{677B0BBD-1883-6EBD-2B53-853F061E996C}"/>
+              </a:ext>
+            </a:extLst>
+          </p:cNvPr>
+          <p:cNvPicPr>
+            <a:picLocks noChangeAspect="1"/>
+          </p:cNvPicPr>
+          <p:nvPr/>
+        </p:nvPicPr>
+        <p:blipFill>
+          <a:blip r:embed="rId3">
+            <a:extLst>
+              <a:ext uri="{28A0092B-C50C-407E-A947-70E740481C1C}">
+                <a14:useLocalDpi xmlns:a14="http://schemas.microsoft.com/office/drawing/2010/main" val="0"/>
+              </a:ext>
+            </a:extLst>
+          </a:blip>
+          <a:stretch>
+            <a:fillRect/>
+          </a:stretch>
+        </p:blipFill>
+        <p:spPr>
+          <a:xfrm>
+            <a:off x="8982635" y="5547250"/>
+            <a:ext cx="3005304" cy="1202122"/>
+          </a:xfrm>
+          <a:prstGeom prst="rect">
+            <a:avLst/>
+          </a:prstGeom>
+        </p:spPr>
+      </p:pic>
+      <p:sp>
+        <p:nvSpPr>
+          <p:cNvPr id="6" name="TextBox 5">
+            <a:extLst>
+              <a:ext uri="{FF2B5EF4-FFF2-40B4-BE49-F238E27FC236}">
+                <a16:creationId xmlns:a16="http://schemas.microsoft.com/office/drawing/2014/main" id="{59B6A129-FE3E-B311-5621-ED4BD45B7D9B}"/>
+              </a:ext>
+            </a:extLst>
+          </p:cNvPr>
+          <p:cNvSpPr txBox="1"/>
+          <p:nvPr/>
+        </p:nvSpPr>
+        <p:spPr>
+          <a:xfrm>
+            <a:off x="204061" y="5660010"/>
+            <a:ext cx="8696875" cy="954107"/>
+          </a:xfrm>
+          <a:prstGeom prst="rect">
+            <a:avLst/>
+          </a:prstGeom>
+          <a:solidFill>
+            <a:srgbClr val="92D050"/>
+          </a:solidFill>
+        </p:spPr>
+        <p:txBody>
+          <a:bodyPr wrap="square" rtlCol="0">
+            <a:spAutoFit/>
+          </a:bodyPr>
+          <a:lstStyle/>
+          <a:p>
+            <a:r>
+              <a:rPr lang="en-US" sz="2800" dirty="0"/>
+              <a:t>Discuss as a team: Have you had any bad experiences related to these in a team in the past?</a:t>
+            </a:r>
           </a:p>
         </p:txBody>
       </p:sp>

--- a/ClassMaterials/PairProgrammingAndSourceControl/Part1-PairProgramming.pptx
+++ b/ClassMaterials/PairProgrammingAndSourceControl/Part1-PairProgramming.pptx
@@ -228,7 +228,7 @@
           <a:p>
             <a:fld id="{28F7D565-3278-47FB-82CB-054B8DCFC962}" type="datetimeFigureOut">
               <a:rPr lang="en-US" smtClean="0"/>
-              <a:t>4/30/2024</a:t>
+              <a:t>4/22/2025</a:t>
             </a:fld>
             <a:endParaRPr lang="en-US"/>
           </a:p>
@@ -1117,7 +1117,7 @@
           <a:p>
             <a:fld id="{846CE7D5-CF57-46EF-B807-FDD0502418D4}" type="datetimeFigureOut">
               <a:rPr lang="en-US" smtClean="0"/>
-              <a:t>4/30/2024</a:t>
+              <a:t>4/22/2025</a:t>
             </a:fld>
             <a:endParaRPr lang="en-US"/>
           </a:p>
@@ -1287,7 +1287,7 @@
           <a:p>
             <a:fld id="{846CE7D5-CF57-46EF-B807-FDD0502418D4}" type="datetimeFigureOut">
               <a:rPr lang="en-US" smtClean="0"/>
-              <a:t>4/30/2024</a:t>
+              <a:t>4/22/2025</a:t>
             </a:fld>
             <a:endParaRPr lang="en-US"/>
           </a:p>
@@ -1467,7 +1467,7 @@
           <a:p>
             <a:fld id="{846CE7D5-CF57-46EF-B807-FDD0502418D4}" type="datetimeFigureOut">
               <a:rPr lang="en-US" smtClean="0"/>
-              <a:t>4/30/2024</a:t>
+              <a:t>4/22/2025</a:t>
             </a:fld>
             <a:endParaRPr lang="en-US"/>
           </a:p>
@@ -1637,7 +1637,7 @@
           <a:p>
             <a:fld id="{846CE7D5-CF57-46EF-B807-FDD0502418D4}" type="datetimeFigureOut">
               <a:rPr lang="en-US" smtClean="0"/>
-              <a:t>4/30/2024</a:t>
+              <a:t>4/22/2025</a:t>
             </a:fld>
             <a:endParaRPr lang="en-US"/>
           </a:p>
@@ -1883,7 +1883,7 @@
           <a:p>
             <a:fld id="{846CE7D5-CF57-46EF-B807-FDD0502418D4}" type="datetimeFigureOut">
               <a:rPr lang="en-US" smtClean="0"/>
-              <a:t>4/30/2024</a:t>
+              <a:t>4/22/2025</a:t>
             </a:fld>
             <a:endParaRPr lang="en-US"/>
           </a:p>
@@ -2115,7 +2115,7 @@
           <a:p>
             <a:fld id="{846CE7D5-CF57-46EF-B807-FDD0502418D4}" type="datetimeFigureOut">
               <a:rPr lang="en-US" smtClean="0"/>
-              <a:t>4/30/2024</a:t>
+              <a:t>4/22/2025</a:t>
             </a:fld>
             <a:endParaRPr lang="en-US"/>
           </a:p>
@@ -2482,7 +2482,7 @@
           <a:p>
             <a:fld id="{846CE7D5-CF57-46EF-B807-FDD0502418D4}" type="datetimeFigureOut">
               <a:rPr lang="en-US" smtClean="0"/>
-              <a:t>4/30/2024</a:t>
+              <a:t>4/22/2025</a:t>
             </a:fld>
             <a:endParaRPr lang="en-US"/>
           </a:p>
@@ -2600,7 +2600,7 @@
           <a:p>
             <a:fld id="{846CE7D5-CF57-46EF-B807-FDD0502418D4}" type="datetimeFigureOut">
               <a:rPr lang="en-US" smtClean="0"/>
-              <a:t>4/30/2024</a:t>
+              <a:t>4/22/2025</a:t>
             </a:fld>
             <a:endParaRPr lang="en-US"/>
           </a:p>
@@ -2695,7 +2695,7 @@
           <a:p>
             <a:fld id="{846CE7D5-CF57-46EF-B807-FDD0502418D4}" type="datetimeFigureOut">
               <a:rPr lang="en-US" smtClean="0"/>
-              <a:t>4/30/2024</a:t>
+              <a:t>4/22/2025</a:t>
             </a:fld>
             <a:endParaRPr lang="en-US"/>
           </a:p>
@@ -2972,7 +2972,7 @@
           <a:p>
             <a:fld id="{846CE7D5-CF57-46EF-B807-FDD0502418D4}" type="datetimeFigureOut">
               <a:rPr lang="en-US" smtClean="0"/>
-              <a:t>4/30/2024</a:t>
+              <a:t>4/22/2025</a:t>
             </a:fld>
             <a:endParaRPr lang="en-US"/>
           </a:p>
@@ -3229,7 +3229,7 @@
           <a:p>
             <a:fld id="{846CE7D5-CF57-46EF-B807-FDD0502418D4}" type="datetimeFigureOut">
               <a:rPr lang="en-US" smtClean="0"/>
-              <a:t>4/30/2024</a:t>
+              <a:t>4/22/2025</a:t>
             </a:fld>
             <a:endParaRPr lang="en-US"/>
           </a:p>
@@ -3442,7 +3442,7 @@
           <a:p>
             <a:fld id="{846CE7D5-CF57-46EF-B807-FDD0502418D4}" type="datetimeFigureOut">
               <a:rPr lang="en-US" smtClean="0"/>
-              <a:t>4/30/2024</a:t>
+              <a:t>4/22/2025</a:t>
             </a:fld>
             <a:endParaRPr lang="en-US"/>
           </a:p>
@@ -3901,106 +3901,6 @@
           </a:p>
         </p:txBody>
       </p:sp>
-      <p:sp>
-        <p:nvSpPr>
-          <p:cNvPr id="3" name="TextBox 2"/>
-          <p:cNvSpPr txBox="1"/>
-          <p:nvPr/>
-        </p:nvSpPr>
-        <p:spPr>
-          <a:xfrm>
-            <a:off x="313453" y="5045354"/>
-            <a:ext cx="5233187" cy="369332"/>
-          </a:xfrm>
-          <a:prstGeom prst="rect">
-            <a:avLst/>
-          </a:prstGeom>
-          <a:noFill/>
-        </p:spPr>
-        <p:txBody>
-          <a:bodyPr wrap="square" rtlCol="0">
-            <a:spAutoFit/>
-          </a:bodyPr>
-          <a:lstStyle/>
-          <a:p>
-            <a:r>
-              <a:rPr lang="en-US" dirty="0"/>
-              <a:t>The project for today is just your final code repository</a:t>
-            </a:r>
-          </a:p>
-        </p:txBody>
-      </p:sp>
-      <p:sp>
-        <p:nvSpPr>
-          <p:cNvPr id="4" name="TextBox 3">
-            <a:extLst>
-              <a:ext uri="{FF2B5EF4-FFF2-40B4-BE49-F238E27FC236}">
-                <a16:creationId xmlns:a16="http://schemas.microsoft.com/office/drawing/2014/main" id="{A01FE3C8-283B-A559-2E71-E2F82D12E07B}"/>
-              </a:ext>
-            </a:extLst>
-          </p:cNvPr>
-          <p:cNvSpPr txBox="1"/>
-          <p:nvPr/>
-        </p:nvSpPr>
-        <p:spPr>
-          <a:xfrm>
-            <a:off x="6918648" y="0"/>
-            <a:ext cx="5334001" cy="1046440"/>
-          </a:xfrm>
-          <a:prstGeom prst="rect">
-            <a:avLst/>
-          </a:prstGeom>
-          <a:noFill/>
-          <a:ln w="12700" cap="flat">
-            <a:noFill/>
-            <a:miter lim="400000"/>
-          </a:ln>
-          <a:effectLst/>
-        </p:spPr>
-        <p:style>
-          <a:lnRef idx="0">
-            <a:scrgbClr r="0" g="0" b="0"/>
-          </a:lnRef>
-          <a:fillRef idx="0">
-            <a:scrgbClr r="0" g="0" b="0"/>
-          </a:fillRef>
-          <a:effectRef idx="0">
-            <a:scrgbClr r="0" g="0" b="0"/>
-          </a:effectRef>
-          <a:fontRef idx="none"/>
-        </p:style>
-        <p:txBody>
-          <a:bodyPr wrap="square">
-            <a:spAutoFit/>
-          </a:bodyPr>
-          <a:lstStyle/>
-          <a:p>
-            <a:r>
-              <a:rPr lang="en-US" dirty="0">
-                <a:highlight>
-                  <a:srgbClr val="FFFF00"/>
-                </a:highlight>
-              </a:rPr>
-              <a:t>Today’s Attendance password</a:t>
-            </a:r>
-          </a:p>
-          <a:p>
-            <a:r>
-              <a:rPr lang="en-US" sz="4400">
-                <a:highlight>
-                  <a:srgbClr val="FFFF00"/>
-                </a:highlight>
-              </a:rPr>
-              <a:t>_________</a:t>
-            </a:r>
-            <a:endParaRPr lang="en-US" sz="4400" dirty="0">
-              <a:highlight>
-                <a:srgbClr val="FFFF00"/>
-              </a:highlight>
-            </a:endParaRPr>
-          </a:p>
-        </p:txBody>
-      </p:sp>
       <p:pic>
         <p:nvPicPr>
           <p:cNvPr id="5" name="Picture 4">
@@ -4031,43 +3931,6 @@
           </a:prstGeom>
         </p:spPr>
       </p:pic>
-      <p:sp>
-        <p:nvSpPr>
-          <p:cNvPr id="6" name="TextBox 5">
-            <a:extLst>
-              <a:ext uri="{FF2B5EF4-FFF2-40B4-BE49-F238E27FC236}">
-                <a16:creationId xmlns:a16="http://schemas.microsoft.com/office/drawing/2014/main" id="{B13D6B4D-407E-5D8E-1D57-4C240874520D}"/>
-              </a:ext>
-            </a:extLst>
-          </p:cNvPr>
-          <p:cNvSpPr txBox="1"/>
-          <p:nvPr/>
-        </p:nvSpPr>
-        <p:spPr>
-          <a:xfrm>
-            <a:off x="313453" y="5890711"/>
-            <a:ext cx="3194857" cy="646331"/>
-          </a:xfrm>
-          <a:prstGeom prst="rect">
-            <a:avLst/>
-          </a:prstGeom>
-          <a:solidFill>
-            <a:srgbClr val="92D050"/>
-          </a:solidFill>
-        </p:spPr>
-        <p:txBody>
-          <a:bodyPr wrap="square" rtlCol="0">
-            <a:spAutoFit/>
-          </a:bodyPr>
-          <a:lstStyle/>
-          <a:p>
-            <a:r>
-              <a:rPr lang="en-US" sz="3600" dirty="0"/>
-              <a:t>No Quiz Today</a:t>
-            </a:r>
-          </a:p>
-        </p:txBody>
-      </p:sp>
       <p:pic>
         <p:nvPicPr>
           <p:cNvPr id="8" name="Picture 7">
@@ -4098,6 +3961,145 @@
           </a:prstGeom>
         </p:spPr>
       </p:pic>
+      <p:sp>
+        <p:nvSpPr>
+          <p:cNvPr id="7" name="Shape 54">
+            <a:extLst>
+              <a:ext uri="{FF2B5EF4-FFF2-40B4-BE49-F238E27FC236}">
+                <a16:creationId xmlns:a16="http://schemas.microsoft.com/office/drawing/2014/main" id="{519466FA-D14B-CC9B-1911-14EF539ADA8C}"/>
+              </a:ext>
+            </a:extLst>
+          </p:cNvPr>
+          <p:cNvSpPr/>
+          <p:nvPr/>
+        </p:nvSpPr>
+        <p:spPr>
+          <a:xfrm>
+            <a:off x="8652468" y="123780"/>
+            <a:ext cx="3346430" cy="738664"/>
+          </a:xfrm>
+          <a:prstGeom prst="rect">
+            <a:avLst/>
+          </a:prstGeom>
+          <a:solidFill>
+            <a:srgbClr val="9BBB59"/>
+          </a:solidFill>
+          <a:ln w="25400" cap="rnd">
+            <a:solidFill>
+              <a:srgbClr val="718841"/>
+            </a:solidFill>
+          </a:ln>
+          <a:extLst>
+            <a:ext uri="{C572A759-6A51-4108-AA02-DFA0A04FC94B}">
+              <ma14:wrappingTextBoxFlag xmlns:ma14="http://schemas.microsoft.com/office/mac/drawingml/2011/main" xmlns="" val="1"/>
+            </a:ext>
+          </a:extLst>
+        </p:spPr>
+        <p:txBody>
+          <a:bodyPr wrap="square" lIns="0" tIns="0" rIns="0" bIns="0">
+            <a:spAutoFit/>
+          </a:bodyPr>
+          <a:lstStyle/>
+          <a:p>
+            <a:pPr lvl="0"/>
+            <a:r>
+              <a:rPr lang="en-US" sz="2400" i="1" dirty="0">
+                <a:solidFill>
+                  <a:srgbClr val="FFFFFF"/>
+                </a:solidFill>
+              </a:rPr>
+              <a:t> Attendance password    </a:t>
+            </a:r>
+          </a:p>
+          <a:p>
+            <a:pPr lvl="0"/>
+            <a:r>
+              <a:rPr lang="en-US" sz="2400" i="1" dirty="0">
+                <a:solidFill>
+                  <a:srgbClr val="FFFFFF"/>
+                </a:solidFill>
+              </a:rPr>
+              <a:t> is written on the board</a:t>
+            </a:r>
+          </a:p>
+        </p:txBody>
+      </p:sp>
+      <p:sp>
+        <p:nvSpPr>
+          <p:cNvPr id="4" name="Shape 54">
+            <a:extLst>
+              <a:ext uri="{FF2B5EF4-FFF2-40B4-BE49-F238E27FC236}">
+                <a16:creationId xmlns:a16="http://schemas.microsoft.com/office/drawing/2014/main" id="{11C15FD4-1647-9769-52B5-180C322D9617}"/>
+              </a:ext>
+            </a:extLst>
+          </p:cNvPr>
+          <p:cNvSpPr/>
+          <p:nvPr/>
+        </p:nvSpPr>
+        <p:spPr>
+          <a:xfrm>
+            <a:off x="102543" y="5527245"/>
+            <a:ext cx="5884600" cy="1107996"/>
+          </a:xfrm>
+          <a:prstGeom prst="rect">
+            <a:avLst/>
+          </a:prstGeom>
+          <a:solidFill>
+            <a:srgbClr val="9BBB59"/>
+          </a:solidFill>
+          <a:ln w="25400" cap="rnd">
+            <a:solidFill>
+              <a:srgbClr val="718841"/>
+            </a:solidFill>
+          </a:ln>
+          <a:extLst>
+            <a:ext uri="{C572A759-6A51-4108-AA02-DFA0A04FC94B}">
+              <ma14:wrappingTextBoxFlag xmlns:ma14="http://schemas.microsoft.com/office/mac/drawingml/2011/main" xmlns="" val="1"/>
+            </a:ext>
+          </a:extLst>
+        </p:spPr>
+        <p:txBody>
+          <a:bodyPr wrap="square" lIns="0" tIns="0" rIns="0" bIns="0">
+            <a:spAutoFit/>
+          </a:bodyPr>
+          <a:lstStyle/>
+          <a:p>
+            <a:r>
+              <a:rPr lang="en-US" sz="2400" dirty="0">
+                <a:solidFill>
+                  <a:schemeClr val="bg1"/>
+                </a:solidFill>
+              </a:rPr>
+              <a:t>Quiz Today is</a:t>
+            </a:r>
+          </a:p>
+          <a:p>
+            <a:r>
+              <a:rPr lang="en-US" sz="2400" dirty="0" err="1">
+                <a:solidFill>
+                  <a:schemeClr val="bg1"/>
+                </a:solidFill>
+              </a:rPr>
+              <a:t>SourceControlAndPairProgrammingQuiz</a:t>
+            </a:r>
+            <a:endParaRPr lang="en-US" sz="2400" dirty="0">
+              <a:solidFill>
+                <a:schemeClr val="bg1"/>
+              </a:solidFill>
+            </a:endParaRPr>
+          </a:p>
+          <a:p>
+            <a:r>
+              <a:rPr lang="en-US" sz="2400" dirty="0">
+                <a:solidFill>
+                  <a:schemeClr val="bg1"/>
+                </a:solidFill>
+              </a:rPr>
+              <a:t>No projects other than the final code repo</a:t>
+            </a:r>
+          </a:p>
+        </p:txBody>
+      </p:sp>
     </p:spTree>
     <p:extLst>
       <p:ext uri="{BB962C8B-B14F-4D97-AF65-F5344CB8AC3E}">

--- a/ClassMaterials/PairProgrammingAndSourceControl/Part1-PairProgramming.pptx
+++ b/ClassMaterials/PairProgrammingAndSourceControl/Part1-PairProgramming.pptx
@@ -228,7 +228,7 @@
           <a:p>
             <a:fld id="{28F7D565-3278-47FB-82CB-054B8DCFC962}" type="datetimeFigureOut">
               <a:rPr lang="en-US" smtClean="0"/>
-              <a:t>4/22/2025</a:t>
+              <a:t>5/4/2025</a:t>
             </a:fld>
             <a:endParaRPr lang="en-US"/>
           </a:p>
@@ -621,7 +621,7 @@
           </a:ln>
           <a:extLst>
             <a:ext uri="{909E8E84-426E-40dd-AFC4-6F175D3DCCD1}">
-              <a14:hiddenFill xmlns:a14="http://schemas.microsoft.com/office/drawing/2010/main" xmlns="">
+              <a14:hiddenFill xmlns="" xmlns:a14="http://schemas.microsoft.com/office/drawing/2010/main">
                 <a:solidFill>
                   <a:srgbClr val="FFFFFF"/>
                 </a:solidFill>
@@ -645,14 +645,14 @@
           <a:ln/>
           <a:extLst>
             <a:ext uri="{909E8E84-426E-40dd-AFC4-6F175D3DCCD1}">
-              <a14:hiddenFill xmlns:a14="http://schemas.microsoft.com/office/drawing/2010/main" xmlns="">
+              <a14:hiddenFill xmlns="" xmlns:a14="http://schemas.microsoft.com/office/drawing/2010/main">
                 <a:solidFill>
                   <a:srgbClr val="FFFFFF"/>
                 </a:solidFill>
               </a14:hiddenFill>
             </a:ext>
             <a:ext uri="{91240B29-F687-4f45-9708-019B960494DF}">
-              <a14:hiddenLine xmlns:a14="http://schemas.microsoft.com/office/drawing/2010/main" xmlns="" w="9525">
+              <a14:hiddenLine xmlns="" xmlns:a14="http://schemas.microsoft.com/office/drawing/2010/main" w="9525">
                 <a:solidFill>
                   <a:srgbClr val="000000"/>
                 </a:solidFill>
@@ -726,7 +726,7 @@
           </a:ln>
           <a:extLst>
             <a:ext uri="{909E8E84-426E-40dd-AFC4-6F175D3DCCD1}">
-              <a14:hiddenFill xmlns:a14="http://schemas.microsoft.com/office/drawing/2010/main" xmlns="">
+              <a14:hiddenFill xmlns="" xmlns:a14="http://schemas.microsoft.com/office/drawing/2010/main">
                 <a:solidFill>
                   <a:srgbClr val="FFFFFF"/>
                 </a:solidFill>
@@ -750,14 +750,14 @@
           <a:ln/>
           <a:extLst>
             <a:ext uri="{909E8E84-426E-40dd-AFC4-6F175D3DCCD1}">
-              <a14:hiddenFill xmlns:a14="http://schemas.microsoft.com/office/drawing/2010/main" xmlns="">
+              <a14:hiddenFill xmlns="" xmlns:a14="http://schemas.microsoft.com/office/drawing/2010/main">
                 <a:solidFill>
                   <a:srgbClr val="FFFFFF"/>
                 </a:solidFill>
               </a14:hiddenFill>
             </a:ext>
             <a:ext uri="{91240B29-F687-4f45-9708-019B960494DF}">
-              <a14:hiddenLine xmlns:a14="http://schemas.microsoft.com/office/drawing/2010/main" xmlns="" w="9525">
+              <a14:hiddenLine xmlns="" xmlns:a14="http://schemas.microsoft.com/office/drawing/2010/main" w="9525">
                 <a:solidFill>
                   <a:srgbClr val="000000"/>
                 </a:solidFill>
@@ -1117,7 +1117,7 @@
           <a:p>
             <a:fld id="{846CE7D5-CF57-46EF-B807-FDD0502418D4}" type="datetimeFigureOut">
               <a:rPr lang="en-US" smtClean="0"/>
-              <a:t>4/22/2025</a:t>
+              <a:t>5/4/2025</a:t>
             </a:fld>
             <a:endParaRPr lang="en-US"/>
           </a:p>
@@ -1287,7 +1287,7 @@
           <a:p>
             <a:fld id="{846CE7D5-CF57-46EF-B807-FDD0502418D4}" type="datetimeFigureOut">
               <a:rPr lang="en-US" smtClean="0"/>
-              <a:t>4/22/2025</a:t>
+              <a:t>5/4/2025</a:t>
             </a:fld>
             <a:endParaRPr lang="en-US"/>
           </a:p>
@@ -1467,7 +1467,7 @@
           <a:p>
             <a:fld id="{846CE7D5-CF57-46EF-B807-FDD0502418D4}" type="datetimeFigureOut">
               <a:rPr lang="en-US" smtClean="0"/>
-              <a:t>4/22/2025</a:t>
+              <a:t>5/4/2025</a:t>
             </a:fld>
             <a:endParaRPr lang="en-US"/>
           </a:p>
@@ -1637,7 +1637,7 @@
           <a:p>
             <a:fld id="{846CE7D5-CF57-46EF-B807-FDD0502418D4}" type="datetimeFigureOut">
               <a:rPr lang="en-US" smtClean="0"/>
-              <a:t>4/22/2025</a:t>
+              <a:t>5/4/2025</a:t>
             </a:fld>
             <a:endParaRPr lang="en-US"/>
           </a:p>
@@ -1883,7 +1883,7 @@
           <a:p>
             <a:fld id="{846CE7D5-CF57-46EF-B807-FDD0502418D4}" type="datetimeFigureOut">
               <a:rPr lang="en-US" smtClean="0"/>
-              <a:t>4/22/2025</a:t>
+              <a:t>5/4/2025</a:t>
             </a:fld>
             <a:endParaRPr lang="en-US"/>
           </a:p>
@@ -2115,7 +2115,7 @@
           <a:p>
             <a:fld id="{846CE7D5-CF57-46EF-B807-FDD0502418D4}" type="datetimeFigureOut">
               <a:rPr lang="en-US" smtClean="0"/>
-              <a:t>4/22/2025</a:t>
+              <a:t>5/4/2025</a:t>
             </a:fld>
             <a:endParaRPr lang="en-US"/>
           </a:p>
@@ -2482,7 +2482,7 @@
           <a:p>
             <a:fld id="{846CE7D5-CF57-46EF-B807-FDD0502418D4}" type="datetimeFigureOut">
               <a:rPr lang="en-US" smtClean="0"/>
-              <a:t>4/22/2025</a:t>
+              <a:t>5/4/2025</a:t>
             </a:fld>
             <a:endParaRPr lang="en-US"/>
           </a:p>
@@ -2600,7 +2600,7 @@
           <a:p>
             <a:fld id="{846CE7D5-CF57-46EF-B807-FDD0502418D4}" type="datetimeFigureOut">
               <a:rPr lang="en-US" smtClean="0"/>
-              <a:t>4/22/2025</a:t>
+              <a:t>5/4/2025</a:t>
             </a:fld>
             <a:endParaRPr lang="en-US"/>
           </a:p>
@@ -2695,7 +2695,7 @@
           <a:p>
             <a:fld id="{846CE7D5-CF57-46EF-B807-FDD0502418D4}" type="datetimeFigureOut">
               <a:rPr lang="en-US" smtClean="0"/>
-              <a:t>4/22/2025</a:t>
+              <a:t>5/4/2025</a:t>
             </a:fld>
             <a:endParaRPr lang="en-US"/>
           </a:p>
@@ -2972,7 +2972,7 @@
           <a:p>
             <a:fld id="{846CE7D5-CF57-46EF-B807-FDD0502418D4}" type="datetimeFigureOut">
               <a:rPr lang="en-US" smtClean="0"/>
-              <a:t>4/22/2025</a:t>
+              <a:t>5/4/2025</a:t>
             </a:fld>
             <a:endParaRPr lang="en-US"/>
           </a:p>
@@ -3229,7 +3229,7 @@
           <a:p>
             <a:fld id="{846CE7D5-CF57-46EF-B807-FDD0502418D4}" type="datetimeFigureOut">
               <a:rPr lang="en-US" smtClean="0"/>
-              <a:t>4/22/2025</a:t>
+              <a:t>5/4/2025</a:t>
             </a:fld>
             <a:endParaRPr lang="en-US"/>
           </a:p>
@@ -3442,7 +3442,7 @@
           <a:p>
             <a:fld id="{846CE7D5-CF57-46EF-B807-FDD0502418D4}" type="datetimeFigureOut">
               <a:rPr lang="en-US" smtClean="0"/>
-              <a:t>4/22/2025</a:t>
+              <a:t>5/4/2025</a:t>
             </a:fld>
             <a:endParaRPr lang="en-US"/>
           </a:p>
@@ -3991,7 +3991,7 @@
           </a:ln>
           <a:extLst>
             <a:ext uri="{C572A759-6A51-4108-AA02-DFA0A04FC94B}">
-              <ma14:wrappingTextBoxFlag xmlns:ma14="http://schemas.microsoft.com/office/mac/drawingml/2011/main" xmlns="" val="1"/>
+              <ma14:wrappingTextBoxFlag xmlns="" xmlns:ma14="http://schemas.microsoft.com/office/mac/drawingml/2011/main" val="1"/>
             </a:ext>
           </a:extLst>
         </p:spPr>
@@ -4054,7 +4054,7 @@
           </a:ln>
           <a:extLst>
             <a:ext uri="{C572A759-6A51-4108-AA02-DFA0A04FC94B}">
-              <ma14:wrappingTextBoxFlag xmlns:ma14="http://schemas.microsoft.com/office/mac/drawingml/2011/main" xmlns="" val="1"/>
+              <ma14:wrappingTextBoxFlag xmlns="" xmlns:ma14="http://schemas.microsoft.com/office/mac/drawingml/2011/main" val="1"/>
             </a:ext>
           </a:extLst>
         </p:spPr>
@@ -4174,8 +4174,76 @@
           </a:p>
           <a:p>
             <a:r>
+              <a:rPr lang="en-US" dirty="0">
+                <a:highlight>
+                  <a:srgbClr val="FFFF00"/>
+                </a:highlight>
+              </a:rPr>
+              <a:t>Tester</a:t>
+            </a:r>
+            <a:r>
               <a:rPr lang="en-US" dirty="0"/>
-              <a:t>Driver, Navigator, Reviewer Role (Teams of 3)</a:t>
+              <a:t>, </a:t>
+            </a:r>
+            <a:r>
+              <a:rPr lang="en-US" dirty="0">
+                <a:highlight>
+                  <a:srgbClr val="00FF00"/>
+                </a:highlight>
+              </a:rPr>
+              <a:t>Reviewer</a:t>
+            </a:r>
+            <a:r>
+              <a:rPr lang="en-US" dirty="0"/>
+              <a:t>, </a:t>
+            </a:r>
+            <a:r>
+              <a:rPr lang="en-US" dirty="0">
+                <a:highlight>
+                  <a:srgbClr val="00FF00"/>
+                </a:highlight>
+              </a:rPr>
+              <a:t>Navigator</a:t>
+            </a:r>
+            <a:r>
+              <a:rPr lang="en-US" dirty="0"/>
+              <a:t>, </a:t>
+            </a:r>
+            <a:r>
+              <a:rPr lang="en-US" dirty="0">
+                <a:highlight>
+                  <a:srgbClr val="00FF00"/>
+                </a:highlight>
+              </a:rPr>
+              <a:t>Driver</a:t>
+            </a:r>
+            <a:r>
+              <a:rPr lang="en-US" dirty="0"/>
+              <a:t> Roles (Teams of </a:t>
+            </a:r>
+            <a:r>
+              <a:rPr lang="en-US" dirty="0">
+                <a:highlight>
+                  <a:srgbClr val="00FF00"/>
+                </a:highlight>
+              </a:rPr>
+              <a:t>3</a:t>
+            </a:r>
+            <a:r>
+              <a:rPr lang="en-US" dirty="0"/>
+              <a:t>-</a:t>
+            </a:r>
+            <a:r>
+              <a:rPr lang="en-US" dirty="0">
+                <a:highlight>
+                  <a:srgbClr val="FFFF00"/>
+                </a:highlight>
+              </a:rPr>
+              <a:t>4</a:t>
+            </a:r>
+            <a:r>
+              <a:rPr lang="en-US" dirty="0"/>
+              <a:t>)</a:t>
             </a:r>
           </a:p>
           <a:p>
@@ -4401,7 +4469,7 @@
           </a:effectLst>
           <a:extLst>
             <a:ext uri="{909E8E84-426E-40dd-AFC4-6F175D3DCCD1}">
-              <a14:hiddenFill xmlns:a14="http://schemas.microsoft.com/office/drawing/2010/main" xmlns="">
+              <a14:hiddenFill xmlns="" xmlns:a14="http://schemas.microsoft.com/office/drawing/2010/main">
                 <a:solidFill>
                   <a:srgbClr val="FFFFFF"/>
                 </a:solidFill>

--- a/ClassMaterials/PairProgrammingAndSourceControl/Part1-PairProgramming.pptx
+++ b/ClassMaterials/PairProgrammingAndSourceControl/Part1-PairProgramming.pptx
@@ -228,7 +228,7 @@
           <a:p>
             <a:fld id="{28F7D565-3278-47FB-82CB-054B8DCFC962}" type="datetimeFigureOut">
               <a:rPr lang="en-US" smtClean="0"/>
-              <a:t>5/4/2025</a:t>
+              <a:t>5/6/2025</a:t>
             </a:fld>
             <a:endParaRPr lang="en-US"/>
           </a:p>
@@ -1117,7 +1117,7 @@
           <a:p>
             <a:fld id="{846CE7D5-CF57-46EF-B807-FDD0502418D4}" type="datetimeFigureOut">
               <a:rPr lang="en-US" smtClean="0"/>
-              <a:t>5/4/2025</a:t>
+              <a:t>5/6/2025</a:t>
             </a:fld>
             <a:endParaRPr lang="en-US"/>
           </a:p>
@@ -1287,7 +1287,7 @@
           <a:p>
             <a:fld id="{846CE7D5-CF57-46EF-B807-FDD0502418D4}" type="datetimeFigureOut">
               <a:rPr lang="en-US" smtClean="0"/>
-              <a:t>5/4/2025</a:t>
+              <a:t>5/6/2025</a:t>
             </a:fld>
             <a:endParaRPr lang="en-US"/>
           </a:p>
@@ -1467,7 +1467,7 @@
           <a:p>
             <a:fld id="{846CE7D5-CF57-46EF-B807-FDD0502418D4}" type="datetimeFigureOut">
               <a:rPr lang="en-US" smtClean="0"/>
-              <a:t>5/4/2025</a:t>
+              <a:t>5/6/2025</a:t>
             </a:fld>
             <a:endParaRPr lang="en-US"/>
           </a:p>
@@ -1637,7 +1637,7 @@
           <a:p>
             <a:fld id="{846CE7D5-CF57-46EF-B807-FDD0502418D4}" type="datetimeFigureOut">
               <a:rPr lang="en-US" smtClean="0"/>
-              <a:t>5/4/2025</a:t>
+              <a:t>5/6/2025</a:t>
             </a:fld>
             <a:endParaRPr lang="en-US"/>
           </a:p>
@@ -1883,7 +1883,7 @@
           <a:p>
             <a:fld id="{846CE7D5-CF57-46EF-B807-FDD0502418D4}" type="datetimeFigureOut">
               <a:rPr lang="en-US" smtClean="0"/>
-              <a:t>5/4/2025</a:t>
+              <a:t>5/6/2025</a:t>
             </a:fld>
             <a:endParaRPr lang="en-US"/>
           </a:p>
@@ -2115,7 +2115,7 @@
           <a:p>
             <a:fld id="{846CE7D5-CF57-46EF-B807-FDD0502418D4}" type="datetimeFigureOut">
               <a:rPr lang="en-US" smtClean="0"/>
-              <a:t>5/4/2025</a:t>
+              <a:t>5/6/2025</a:t>
             </a:fld>
             <a:endParaRPr lang="en-US"/>
           </a:p>
@@ -2482,7 +2482,7 @@
           <a:p>
             <a:fld id="{846CE7D5-CF57-46EF-B807-FDD0502418D4}" type="datetimeFigureOut">
               <a:rPr lang="en-US" smtClean="0"/>
-              <a:t>5/4/2025</a:t>
+              <a:t>5/6/2025</a:t>
             </a:fld>
             <a:endParaRPr lang="en-US"/>
           </a:p>
@@ -2600,7 +2600,7 @@
           <a:p>
             <a:fld id="{846CE7D5-CF57-46EF-B807-FDD0502418D4}" type="datetimeFigureOut">
               <a:rPr lang="en-US" smtClean="0"/>
-              <a:t>5/4/2025</a:t>
+              <a:t>5/6/2025</a:t>
             </a:fld>
             <a:endParaRPr lang="en-US"/>
           </a:p>
@@ -2695,7 +2695,7 @@
           <a:p>
             <a:fld id="{846CE7D5-CF57-46EF-B807-FDD0502418D4}" type="datetimeFigureOut">
               <a:rPr lang="en-US" smtClean="0"/>
-              <a:t>5/4/2025</a:t>
+              <a:t>5/6/2025</a:t>
             </a:fld>
             <a:endParaRPr lang="en-US"/>
           </a:p>
@@ -2972,7 +2972,7 @@
           <a:p>
             <a:fld id="{846CE7D5-CF57-46EF-B807-FDD0502418D4}" type="datetimeFigureOut">
               <a:rPr lang="en-US" smtClean="0"/>
-              <a:t>5/4/2025</a:t>
+              <a:t>5/6/2025</a:t>
             </a:fld>
             <a:endParaRPr lang="en-US"/>
           </a:p>
@@ -3229,7 +3229,7 @@
           <a:p>
             <a:fld id="{846CE7D5-CF57-46EF-B807-FDD0502418D4}" type="datetimeFigureOut">
               <a:rPr lang="en-US" smtClean="0"/>
-              <a:t>5/4/2025</a:t>
+              <a:t>5/6/2025</a:t>
             </a:fld>
             <a:endParaRPr lang="en-US"/>
           </a:p>
@@ -3442,7 +3442,7 @@
           <a:p>
             <a:fld id="{846CE7D5-CF57-46EF-B807-FDD0502418D4}" type="datetimeFigureOut">
               <a:rPr lang="en-US" smtClean="0"/>
-              <a:t>5/4/2025</a:t>
+              <a:t>5/6/2025</a:t>
             </a:fld>
             <a:endParaRPr lang="en-US"/>
           </a:p>
@@ -3859,7 +3859,7 @@
         </p:nvSpPr>
         <p:spPr>
           <a:xfrm>
-            <a:off x="441649" y="2036763"/>
+            <a:off x="0" y="1328057"/>
             <a:ext cx="9144000" cy="2387600"/>
           </a:xfrm>
         </p:spPr>
@@ -3901,66 +3901,6 @@
           </a:p>
         </p:txBody>
       </p:sp>
-      <p:pic>
-        <p:nvPicPr>
-          <p:cNvPr id="5" name="Picture 4">
-            <a:extLst>
-              <a:ext uri="{FF2B5EF4-FFF2-40B4-BE49-F238E27FC236}">
-                <a16:creationId xmlns:a16="http://schemas.microsoft.com/office/drawing/2014/main" id="{B187155F-77EA-4C4B-CDF0-D769B8A13F0D}"/>
-              </a:ext>
-            </a:extLst>
-          </p:cNvPr>
-          <p:cNvPicPr>
-            <a:picLocks noChangeAspect="1"/>
-          </p:cNvPicPr>
-          <p:nvPr/>
-        </p:nvPicPr>
-        <p:blipFill>
-          <a:blip r:embed="rId3"/>
-          <a:stretch>
-            <a:fillRect/>
-          </a:stretch>
-        </p:blipFill>
-        <p:spPr>
-          <a:xfrm>
-            <a:off x="9661847" y="1056433"/>
-            <a:ext cx="2429435" cy="2103869"/>
-          </a:xfrm>
-          <a:prstGeom prst="rect">
-            <a:avLst/>
-          </a:prstGeom>
-        </p:spPr>
-      </p:pic>
-      <p:pic>
-        <p:nvPicPr>
-          <p:cNvPr id="8" name="Picture 7">
-            <a:extLst>
-              <a:ext uri="{FF2B5EF4-FFF2-40B4-BE49-F238E27FC236}">
-                <a16:creationId xmlns:a16="http://schemas.microsoft.com/office/drawing/2014/main" id="{271A2BF9-6017-D7A6-3C36-CFD7C4553191}"/>
-              </a:ext>
-            </a:extLst>
-          </p:cNvPr>
-          <p:cNvPicPr>
-            <a:picLocks noChangeAspect="1"/>
-          </p:cNvPicPr>
-          <p:nvPr/>
-        </p:nvPicPr>
-        <p:blipFill>
-          <a:blip r:embed="rId4"/>
-          <a:stretch>
-            <a:fillRect/>
-          </a:stretch>
-        </p:blipFill>
-        <p:spPr>
-          <a:xfrm>
-            <a:off x="6096000" y="4286944"/>
-            <a:ext cx="5993457" cy="2571056"/>
-          </a:xfrm>
-          <a:prstGeom prst="rect">
-            <a:avLst/>
-          </a:prstGeom>
-        </p:spPr>
-      </p:pic>
       <p:sp>
         <p:nvSpPr>
           <p:cNvPr id="7" name="Shape 54">
